--- a/2020/11月/11-19-2020.pptx
+++ b/2020/11月/11-19-2020.pptx
@@ -27,7 +27,7 @@
     <p:sldId id="313" r:id="rId18"/>
     <p:sldId id="314" r:id="rId19"/>
   </p:sldIdLst>
-  <p:sldSz cx="9144000" cy="6858000" type="screen4x3"/>
+  <p:sldSz cx="9144000" cy="5143500" type="screen16x9"/>
   <p:notesSz cx="6858000" cy="9144000"/>
   <p:defaultTextStyle>
     <a:defPPr>
@@ -272,7 +272,7 @@
         <p:nvSpPr>
           <p:cNvPr id="114692" name="Rectangle 4"/>
           <p:cNvSpPr>
-            <a:spLocks noRot="1" noChangeArrowheads="1" noTextEdit="1"/>
+            <a:spLocks noGrp="1" noRot="1" noChangeAspect="1" noChangeArrowheads="1" noTextEdit="1"/>
           </p:cNvSpPr>
           <p:nvPr>
             <p:ph type="sldImg" idx="2"/>
@@ -280,8 +280,8 @@
         </p:nvSpPr>
         <p:spPr bwMode="auto">
           <a:xfrm>
-            <a:off x="1143000" y="685800"/>
-            <a:ext cx="4572000" cy="3429000"/>
+            <a:off x="381000" y="685800"/>
+            <a:ext cx="6096000" cy="3429000"/>
           </a:xfrm>
           <a:prstGeom prst="rect">
             <a:avLst/>
@@ -635,13 +635,17 @@
         <p:nvSpPr>
           <p:cNvPr id="159746" name="Rectangle 2"/>
           <p:cNvSpPr>
-            <a:spLocks noRot="1" noChangeArrowheads="1" noTextEdit="1"/>
+            <a:spLocks noGrp="1" noRot="1" noChangeAspect="1" noChangeArrowheads="1" noTextEdit="1"/>
           </p:cNvSpPr>
           <p:nvPr>
             <p:ph type="sldImg"/>
           </p:nvPr>
         </p:nvSpPr>
         <p:spPr>
+          <a:xfrm>
+            <a:off x="381000" y="685800"/>
+            <a:ext cx="6096000" cy="3429000"/>
+          </a:xfrm>
           <a:ln/>
         </p:spPr>
       </p:sp>
@@ -719,13 +723,17 @@
         <p:nvSpPr>
           <p:cNvPr id="162818" name="Rectangle 2"/>
           <p:cNvSpPr>
-            <a:spLocks noRot="1" noChangeArrowheads="1" noTextEdit="1"/>
+            <a:spLocks noGrp="1" noRot="1" noChangeAspect="1" noChangeArrowheads="1" noTextEdit="1"/>
           </p:cNvSpPr>
           <p:nvPr>
             <p:ph type="sldImg"/>
           </p:nvPr>
         </p:nvSpPr>
         <p:spPr>
+          <a:xfrm>
+            <a:off x="381000" y="685800"/>
+            <a:ext cx="6096000" cy="3429000"/>
+          </a:xfrm>
           <a:ln/>
         </p:spPr>
       </p:sp>
@@ -803,13 +811,17 @@
         <p:nvSpPr>
           <p:cNvPr id="160770" name="Rectangle 2"/>
           <p:cNvSpPr>
-            <a:spLocks noRot="1" noChangeArrowheads="1" noTextEdit="1"/>
+            <a:spLocks noGrp="1" noRot="1" noChangeAspect="1" noChangeArrowheads="1" noTextEdit="1"/>
           </p:cNvSpPr>
           <p:nvPr>
             <p:ph type="sldImg"/>
           </p:nvPr>
         </p:nvSpPr>
         <p:spPr>
+          <a:xfrm>
+            <a:off x="381000" y="685800"/>
+            <a:ext cx="6096000" cy="3429000"/>
+          </a:xfrm>
           <a:ln/>
         </p:spPr>
       </p:sp>
@@ -887,13 +899,17 @@
         <p:nvSpPr>
           <p:cNvPr id="161794" name="Rectangle 2"/>
           <p:cNvSpPr>
-            <a:spLocks noRot="1" noChangeArrowheads="1" noTextEdit="1"/>
+            <a:spLocks noGrp="1" noRot="1" noChangeAspect="1" noChangeArrowheads="1" noTextEdit="1"/>
           </p:cNvSpPr>
           <p:nvPr>
             <p:ph type="sldImg"/>
           </p:nvPr>
         </p:nvSpPr>
         <p:spPr>
+          <a:xfrm>
+            <a:off x="381000" y="685800"/>
+            <a:ext cx="6096000" cy="3429000"/>
+          </a:xfrm>
           <a:ln/>
         </p:spPr>
       </p:sp>
@@ -971,13 +987,17 @@
         <p:nvSpPr>
           <p:cNvPr id="162818" name="Rectangle 2"/>
           <p:cNvSpPr>
-            <a:spLocks noRot="1" noChangeArrowheads="1" noTextEdit="1"/>
+            <a:spLocks noGrp="1" noRot="1" noChangeAspect="1" noChangeArrowheads="1" noTextEdit="1"/>
           </p:cNvSpPr>
           <p:nvPr>
             <p:ph type="sldImg"/>
           </p:nvPr>
         </p:nvSpPr>
         <p:spPr>
+          <a:xfrm>
+            <a:off x="381000" y="685800"/>
+            <a:ext cx="6096000" cy="3429000"/>
+          </a:xfrm>
           <a:ln/>
         </p:spPr>
       </p:sp>
@@ -1055,13 +1075,17 @@
         <p:nvSpPr>
           <p:cNvPr id="159746" name="Rectangle 2"/>
           <p:cNvSpPr>
-            <a:spLocks noRot="1" noChangeArrowheads="1" noTextEdit="1"/>
+            <a:spLocks noGrp="1" noRot="1" noChangeAspect="1" noChangeArrowheads="1" noTextEdit="1"/>
           </p:cNvSpPr>
           <p:nvPr>
             <p:ph type="sldImg"/>
           </p:nvPr>
         </p:nvSpPr>
         <p:spPr>
+          <a:xfrm>
+            <a:off x="381000" y="685800"/>
+            <a:ext cx="6096000" cy="3429000"/>
+          </a:xfrm>
           <a:ln/>
         </p:spPr>
       </p:sp>
@@ -1139,13 +1163,17 @@
         <p:nvSpPr>
           <p:cNvPr id="163842" name="Rectangle 2"/>
           <p:cNvSpPr>
-            <a:spLocks noRot="1" noChangeArrowheads="1" noTextEdit="1"/>
+            <a:spLocks noGrp="1" noRot="1" noChangeAspect="1" noChangeArrowheads="1" noTextEdit="1"/>
           </p:cNvSpPr>
           <p:nvPr>
             <p:ph type="sldImg"/>
           </p:nvPr>
         </p:nvSpPr>
         <p:spPr>
+          <a:xfrm>
+            <a:off x="381000" y="685800"/>
+            <a:ext cx="6096000" cy="3429000"/>
+          </a:xfrm>
           <a:ln/>
         </p:spPr>
       </p:sp>
@@ -1223,13 +1251,17 @@
         <p:nvSpPr>
           <p:cNvPr id="161794" name="Rectangle 2"/>
           <p:cNvSpPr>
-            <a:spLocks noRot="1" noChangeArrowheads="1" noTextEdit="1"/>
+            <a:spLocks noGrp="1" noRot="1" noChangeAspect="1" noChangeArrowheads="1" noTextEdit="1"/>
           </p:cNvSpPr>
           <p:nvPr>
             <p:ph type="sldImg"/>
           </p:nvPr>
         </p:nvSpPr>
         <p:spPr>
+          <a:xfrm>
+            <a:off x="381000" y="685800"/>
+            <a:ext cx="6096000" cy="3429000"/>
+          </a:xfrm>
           <a:ln/>
         </p:spPr>
       </p:sp>
@@ -1307,13 +1339,17 @@
         <p:nvSpPr>
           <p:cNvPr id="162818" name="Rectangle 2"/>
           <p:cNvSpPr>
-            <a:spLocks noRot="1" noChangeArrowheads="1" noTextEdit="1"/>
+            <a:spLocks noGrp="1" noRot="1" noChangeAspect="1" noChangeArrowheads="1" noTextEdit="1"/>
           </p:cNvSpPr>
           <p:nvPr>
             <p:ph type="sldImg"/>
           </p:nvPr>
         </p:nvSpPr>
         <p:spPr>
+          <a:xfrm>
+            <a:off x="381000" y="685800"/>
+            <a:ext cx="6096000" cy="3429000"/>
+          </a:xfrm>
           <a:ln/>
         </p:spPr>
       </p:sp>
@@ -1391,13 +1427,17 @@
         <p:nvSpPr>
           <p:cNvPr id="161794" name="Rectangle 2"/>
           <p:cNvSpPr>
-            <a:spLocks noRot="1" noChangeArrowheads="1" noTextEdit="1"/>
+            <a:spLocks noGrp="1" noRot="1" noChangeAspect="1" noChangeArrowheads="1" noTextEdit="1"/>
           </p:cNvSpPr>
           <p:nvPr>
             <p:ph type="sldImg"/>
           </p:nvPr>
         </p:nvSpPr>
         <p:spPr>
+          <a:xfrm>
+            <a:off x="381000" y="685800"/>
+            <a:ext cx="6096000" cy="3429000"/>
+          </a:xfrm>
           <a:ln/>
         </p:spPr>
       </p:sp>
@@ -1457,8 +1497,8 @@
         </p:nvSpPr>
         <p:spPr>
           <a:xfrm>
-            <a:off x="685800" y="2130425"/>
-            <a:ext cx="7772400" cy="1470025"/>
+            <a:off x="685800" y="1597819"/>
+            <a:ext cx="7772400" cy="1102519"/>
           </a:xfrm>
         </p:spPr>
         <p:txBody>
@@ -1485,8 +1525,8 @@
         </p:nvSpPr>
         <p:spPr>
           <a:xfrm>
-            <a:off x="1371600" y="3886200"/>
-            <a:ext cx="6400800" cy="1752600"/>
+            <a:off x="1371600" y="2914650"/>
+            <a:ext cx="6400800" cy="1314450"/>
           </a:xfrm>
         </p:spPr>
         <p:txBody>
@@ -1823,8 +1863,8 @@
         </p:nvSpPr>
         <p:spPr>
           <a:xfrm>
-            <a:off x="6629400" y="274638"/>
-            <a:ext cx="2057400" cy="5851525"/>
+            <a:off x="6629400" y="205979"/>
+            <a:ext cx="2057400" cy="4388644"/>
           </a:xfrm>
         </p:spPr>
         <p:txBody>
@@ -1851,8 +1891,8 @@
         </p:nvSpPr>
         <p:spPr>
           <a:xfrm>
-            <a:off x="457200" y="274638"/>
-            <a:ext cx="6019800" cy="5851525"/>
+            <a:off x="457200" y="205979"/>
+            <a:ext cx="6019800" cy="4388644"/>
           </a:xfrm>
         </p:spPr>
         <p:txBody>
@@ -2007,8 +2047,8 @@
         </p:nvSpPr>
         <p:spPr>
           <a:xfrm>
-            <a:off x="685800" y="2130425"/>
-            <a:ext cx="7772400" cy="1470025"/>
+            <a:off x="685800" y="1597819"/>
+            <a:ext cx="7772400" cy="1102519"/>
           </a:xfrm>
         </p:spPr>
         <p:txBody>
@@ -2035,8 +2075,8 @@
         </p:nvSpPr>
         <p:spPr>
           <a:xfrm>
-            <a:off x="1371600" y="3886200"/>
-            <a:ext cx="6400800" cy="1752600"/>
+            <a:off x="1371600" y="2914650"/>
+            <a:ext cx="6400800" cy="1314450"/>
           </a:xfrm>
         </p:spPr>
         <p:txBody>
@@ -2403,8 +2443,8 @@
         </p:nvSpPr>
         <p:spPr>
           <a:xfrm>
-            <a:off x="722313" y="4406900"/>
-            <a:ext cx="7772400" cy="1362075"/>
+            <a:off x="722313" y="3305176"/>
+            <a:ext cx="7772400" cy="1021556"/>
           </a:xfrm>
         </p:spPr>
         <p:txBody>
@@ -2435,8 +2475,8 @@
         </p:nvSpPr>
         <p:spPr>
           <a:xfrm>
-            <a:off x="722313" y="2906713"/>
-            <a:ext cx="7772400" cy="1500187"/>
+            <a:off x="722313" y="2180035"/>
+            <a:ext cx="7772400" cy="1125140"/>
           </a:xfrm>
         </p:spPr>
         <p:txBody>
@@ -2664,8 +2704,8 @@
         </p:nvSpPr>
         <p:spPr>
           <a:xfrm>
-            <a:off x="457200" y="1600200"/>
-            <a:ext cx="4038600" cy="4525963"/>
+            <a:off x="457200" y="1200151"/>
+            <a:ext cx="4038600" cy="3394472"/>
           </a:xfrm>
         </p:spPr>
         <p:txBody>
@@ -2749,8 +2789,8 @@
         </p:nvSpPr>
         <p:spPr>
           <a:xfrm>
-            <a:off x="4648200" y="1600200"/>
-            <a:ext cx="4038600" cy="4525963"/>
+            <a:off x="4648200" y="1200151"/>
+            <a:ext cx="4038600" cy="3394472"/>
           </a:xfrm>
         </p:spPr>
         <p:txBody>
@@ -2948,8 +2988,8 @@
         </p:nvSpPr>
         <p:spPr>
           <a:xfrm>
-            <a:off x="457200" y="1535113"/>
-            <a:ext cx="4040188" cy="639762"/>
+            <a:off x="457200" y="1151335"/>
+            <a:ext cx="4040188" cy="479822"/>
           </a:xfrm>
         </p:spPr>
         <p:txBody>
@@ -3013,8 +3053,8 @@
         </p:nvSpPr>
         <p:spPr>
           <a:xfrm>
-            <a:off x="457200" y="2174875"/>
-            <a:ext cx="4040188" cy="3951288"/>
+            <a:off x="457200" y="1631156"/>
+            <a:ext cx="4040188" cy="2963466"/>
           </a:xfrm>
         </p:spPr>
         <p:txBody>
@@ -3098,8 +3138,8 @@
         </p:nvSpPr>
         <p:spPr>
           <a:xfrm>
-            <a:off x="4645025" y="1535113"/>
-            <a:ext cx="4041775" cy="639762"/>
+            <a:off x="4645026" y="1151335"/>
+            <a:ext cx="4041775" cy="479822"/>
           </a:xfrm>
         </p:spPr>
         <p:txBody>
@@ -3163,8 +3203,8 @@
         </p:nvSpPr>
         <p:spPr>
           <a:xfrm>
-            <a:off x="4645025" y="2174875"/>
-            <a:ext cx="4041775" cy="3951288"/>
+            <a:off x="4645026" y="1631156"/>
+            <a:ext cx="4041775" cy="2963466"/>
           </a:xfrm>
         </p:spPr>
         <p:txBody>
@@ -3532,8 +3572,8 @@
         </p:nvSpPr>
         <p:spPr>
           <a:xfrm>
-            <a:off x="457200" y="273050"/>
-            <a:ext cx="3008313" cy="1162050"/>
+            <a:off x="457201" y="204787"/>
+            <a:ext cx="3008313" cy="871538"/>
           </a:xfrm>
         </p:spPr>
         <p:txBody>
@@ -3564,8 +3604,8 @@
         </p:nvSpPr>
         <p:spPr>
           <a:xfrm>
-            <a:off x="3575050" y="273050"/>
-            <a:ext cx="5111750" cy="5853113"/>
+            <a:off x="3575050" y="204788"/>
+            <a:ext cx="5111750" cy="4389835"/>
           </a:xfrm>
         </p:spPr>
         <p:txBody>
@@ -3649,8 +3689,8 @@
         </p:nvSpPr>
         <p:spPr>
           <a:xfrm>
-            <a:off x="457200" y="1435100"/>
-            <a:ext cx="3008313" cy="4691063"/>
+            <a:off x="457201" y="1076326"/>
+            <a:ext cx="3008313" cy="3518297"/>
           </a:xfrm>
         </p:spPr>
         <p:txBody>
@@ -3975,8 +4015,8 @@
         </p:nvSpPr>
         <p:spPr>
           <a:xfrm>
-            <a:off x="1792288" y="4800600"/>
-            <a:ext cx="5486400" cy="566738"/>
+            <a:off x="1792288" y="3600450"/>
+            <a:ext cx="5486400" cy="425054"/>
           </a:xfrm>
         </p:spPr>
         <p:txBody>
@@ -4007,8 +4047,8 @@
         </p:nvSpPr>
         <p:spPr>
           <a:xfrm>
-            <a:off x="1792288" y="612775"/>
-            <a:ext cx="5486400" cy="4114800"/>
+            <a:off x="1792288" y="459581"/>
+            <a:ext cx="5486400" cy="3086100"/>
           </a:xfrm>
         </p:spPr>
         <p:txBody>
@@ -4072,8 +4112,8 @@
         </p:nvSpPr>
         <p:spPr>
           <a:xfrm>
-            <a:off x="1792288" y="5367338"/>
-            <a:ext cx="5486400" cy="804862"/>
+            <a:off x="1792288" y="4025503"/>
+            <a:ext cx="5486400" cy="603647"/>
           </a:xfrm>
         </p:spPr>
         <p:txBody>
@@ -4386,8 +4426,8 @@
         </p:nvSpPr>
         <p:spPr>
           <a:xfrm>
-            <a:off x="6629400" y="274638"/>
-            <a:ext cx="2057400" cy="5851525"/>
+            <a:off x="6629400" y="205979"/>
+            <a:ext cx="2057400" cy="4388644"/>
           </a:xfrm>
         </p:spPr>
         <p:txBody>
@@ -4414,8 +4454,8 @@
         </p:nvSpPr>
         <p:spPr>
           <a:xfrm>
-            <a:off x="457200" y="274638"/>
-            <a:ext cx="6019800" cy="5851525"/>
+            <a:off x="457200" y="205979"/>
+            <a:ext cx="6019800" cy="4388644"/>
           </a:xfrm>
         </p:spPr>
         <p:txBody>
@@ -4558,8 +4598,8 @@
         </p:nvSpPr>
         <p:spPr>
           <a:xfrm>
-            <a:off x="722313" y="4406900"/>
-            <a:ext cx="7772400" cy="1362075"/>
+            <a:off x="722313" y="3305176"/>
+            <a:ext cx="7772400" cy="1021556"/>
           </a:xfrm>
         </p:spPr>
         <p:txBody>
@@ -4590,8 +4630,8 @@
         </p:nvSpPr>
         <p:spPr>
           <a:xfrm>
-            <a:off x="722313" y="2906713"/>
-            <a:ext cx="7772400" cy="1500187"/>
+            <a:off x="722313" y="2180035"/>
+            <a:ext cx="7772400" cy="1125140"/>
           </a:xfrm>
         </p:spPr>
         <p:txBody>
@@ -4777,8 +4817,8 @@
         </p:nvSpPr>
         <p:spPr>
           <a:xfrm>
-            <a:off x="457200" y="1600200"/>
-            <a:ext cx="4038600" cy="4525963"/>
+            <a:off x="457200" y="1200151"/>
+            <a:ext cx="4038600" cy="3394472"/>
           </a:xfrm>
         </p:spPr>
         <p:txBody>
@@ -4862,8 +4902,8 @@
         </p:nvSpPr>
         <p:spPr>
           <a:xfrm>
-            <a:off x="4648200" y="1600200"/>
-            <a:ext cx="4038600" cy="4525963"/>
+            <a:off x="4648200" y="1200151"/>
+            <a:ext cx="4038600" cy="3394472"/>
           </a:xfrm>
         </p:spPr>
         <p:txBody>
@@ -5073,8 +5113,8 @@
         </p:nvSpPr>
         <p:spPr>
           <a:xfrm>
-            <a:off x="457200" y="1535113"/>
-            <a:ext cx="4040188" cy="639762"/>
+            <a:off x="457200" y="1151335"/>
+            <a:ext cx="4040188" cy="479822"/>
           </a:xfrm>
         </p:spPr>
         <p:txBody>
@@ -5138,8 +5178,8 @@
         </p:nvSpPr>
         <p:spPr>
           <a:xfrm>
-            <a:off x="457200" y="2174875"/>
-            <a:ext cx="4040188" cy="3951288"/>
+            <a:off x="457200" y="1631156"/>
+            <a:ext cx="4040188" cy="2963466"/>
           </a:xfrm>
         </p:spPr>
         <p:txBody>
@@ -5223,8 +5263,8 @@
         </p:nvSpPr>
         <p:spPr>
           <a:xfrm>
-            <a:off x="4645025" y="1535113"/>
-            <a:ext cx="4041775" cy="639762"/>
+            <a:off x="4645026" y="1151335"/>
+            <a:ext cx="4041775" cy="479822"/>
           </a:xfrm>
         </p:spPr>
         <p:txBody>
@@ -5288,8 +5328,8 @@
         </p:nvSpPr>
         <p:spPr>
           <a:xfrm>
-            <a:off x="4645025" y="2174875"/>
-            <a:ext cx="4041775" cy="3951288"/>
+            <a:off x="4645026" y="1631156"/>
+            <a:ext cx="4041775" cy="2963466"/>
           </a:xfrm>
         </p:spPr>
         <p:txBody>
@@ -5693,8 +5733,8 @@
         </p:nvSpPr>
         <p:spPr>
           <a:xfrm>
-            <a:off x="457200" y="273050"/>
-            <a:ext cx="3008313" cy="1162050"/>
+            <a:off x="457201" y="204787"/>
+            <a:ext cx="3008313" cy="871538"/>
           </a:xfrm>
         </p:spPr>
         <p:txBody>
@@ -5725,8 +5765,8 @@
         </p:nvSpPr>
         <p:spPr>
           <a:xfrm>
-            <a:off x="3575050" y="273050"/>
-            <a:ext cx="5111750" cy="5853113"/>
+            <a:off x="3575050" y="204788"/>
+            <a:ext cx="5111750" cy="4389835"/>
           </a:xfrm>
         </p:spPr>
         <p:txBody>
@@ -5810,8 +5850,8 @@
         </p:nvSpPr>
         <p:spPr>
           <a:xfrm>
-            <a:off x="457200" y="1435100"/>
-            <a:ext cx="3008313" cy="4691063"/>
+            <a:off x="457201" y="1076326"/>
+            <a:ext cx="3008313" cy="3518297"/>
           </a:xfrm>
         </p:spPr>
         <p:txBody>
@@ -5974,8 +6014,8 @@
         </p:nvSpPr>
         <p:spPr>
           <a:xfrm>
-            <a:off x="1792288" y="4800600"/>
-            <a:ext cx="5486400" cy="566738"/>
+            <a:off x="1792288" y="3600450"/>
+            <a:ext cx="5486400" cy="425054"/>
           </a:xfrm>
         </p:spPr>
         <p:txBody>
@@ -6006,8 +6046,8 @@
         </p:nvSpPr>
         <p:spPr>
           <a:xfrm>
-            <a:off x="1792288" y="612775"/>
-            <a:ext cx="5486400" cy="4114800"/>
+            <a:off x="1792288" y="459581"/>
+            <a:ext cx="5486400" cy="3086100"/>
           </a:xfrm>
         </p:spPr>
         <p:txBody>
@@ -6067,8 +6107,8 @@
         </p:nvSpPr>
         <p:spPr>
           <a:xfrm>
-            <a:off x="1792288" y="5367338"/>
-            <a:ext cx="5486400" cy="804862"/>
+            <a:off x="1792288" y="4025503"/>
+            <a:ext cx="5486400" cy="603647"/>
           </a:xfrm>
         </p:spPr>
         <p:txBody>
@@ -6239,8 +6279,8 @@
         </p:nvSpPr>
         <p:spPr bwMode="auto">
           <a:xfrm>
-            <a:off x="457200" y="274638"/>
-            <a:ext cx="8229600" cy="1143000"/>
+            <a:off x="457200" y="205978"/>
+            <a:ext cx="8229600" cy="857250"/>
           </a:xfrm>
           <a:prstGeom prst="rect">
             <a:avLst/>
@@ -6282,8 +6322,8 @@
         </p:nvSpPr>
         <p:spPr bwMode="auto">
           <a:xfrm>
-            <a:off x="457200" y="1600200"/>
-            <a:ext cx="8229600" cy="4525963"/>
+            <a:off x="457200" y="1200151"/>
+            <a:ext cx="8229600" cy="3394472"/>
           </a:xfrm>
           <a:prstGeom prst="rect">
             <a:avLst/>
@@ -6353,8 +6393,8 @@
         </p:nvSpPr>
         <p:spPr bwMode="auto">
           <a:xfrm>
-            <a:off x="457200" y="6245225"/>
-            <a:ext cx="2133600" cy="476250"/>
+            <a:off x="457200" y="4683919"/>
+            <a:ext cx="2133600" cy="357188"/>
           </a:xfrm>
           <a:prstGeom prst="rect">
             <a:avLst/>
@@ -6396,8 +6436,8 @@
         </p:nvSpPr>
         <p:spPr bwMode="auto">
           <a:xfrm>
-            <a:off x="3124200" y="6245225"/>
-            <a:ext cx="2895600" cy="476250"/>
+            <a:off x="3124200" y="4683919"/>
+            <a:ext cx="2895600" cy="357188"/>
           </a:xfrm>
           <a:prstGeom prst="rect">
             <a:avLst/>
@@ -6439,8 +6479,8 @@
         </p:nvSpPr>
         <p:spPr bwMode="auto">
           <a:xfrm>
-            <a:off x="6553200" y="6245225"/>
-            <a:ext cx="2133600" cy="476250"/>
+            <a:off x="6553200" y="4683919"/>
+            <a:ext cx="2133600" cy="357188"/>
           </a:xfrm>
           <a:prstGeom prst="rect">
             <a:avLst/>
@@ -6915,8 +6955,8 @@
         </p:nvSpPr>
         <p:spPr>
           <a:xfrm>
-            <a:off x="457200" y="274638"/>
-            <a:ext cx="8229600" cy="1143000"/>
+            <a:off x="457200" y="205978"/>
+            <a:ext cx="8229600" cy="857250"/>
           </a:xfrm>
           <a:prstGeom prst="rect">
             <a:avLst/>
@@ -6948,8 +6988,8 @@
         </p:nvSpPr>
         <p:spPr>
           <a:xfrm>
-            <a:off x="457200" y="1600200"/>
-            <a:ext cx="8229600" cy="4525963"/>
+            <a:off x="457200" y="1200151"/>
+            <a:ext cx="8229600" cy="3394472"/>
           </a:xfrm>
           <a:prstGeom prst="rect">
             <a:avLst/>
@@ -7010,8 +7050,8 @@
         </p:nvSpPr>
         <p:spPr>
           <a:xfrm>
-            <a:off x="457200" y="6356350"/>
-            <a:ext cx="2133600" cy="365125"/>
+            <a:off x="457200" y="4767263"/>
+            <a:ext cx="2133600" cy="273844"/>
           </a:xfrm>
           <a:prstGeom prst="rect">
             <a:avLst/>
@@ -7047,8 +7087,8 @@
         </p:nvSpPr>
         <p:spPr>
           <a:xfrm>
-            <a:off x="3124200" y="6356350"/>
-            <a:ext cx="2895600" cy="365125"/>
+            <a:off x="3124200" y="4767263"/>
+            <a:ext cx="2895600" cy="273844"/>
           </a:xfrm>
           <a:prstGeom prst="rect">
             <a:avLst/>
@@ -7084,8 +7124,8 @@
         </p:nvSpPr>
         <p:spPr>
           <a:xfrm>
-            <a:off x="6553200" y="6356350"/>
-            <a:ext cx="2133600" cy="365125"/>
+            <a:off x="6553200" y="4767263"/>
+            <a:ext cx="2133600" cy="273844"/>
           </a:xfrm>
           <a:prstGeom prst="rect">
             <a:avLst/>
@@ -7490,7 +7530,7 @@
         <p:spPr bwMode="auto">
           <a:xfrm>
             <a:off x="0" y="0"/>
-            <a:ext cx="9144000" cy="6858000"/>
+            <a:ext cx="9144000" cy="5143500"/>
           </a:xfrm>
           <a:prstGeom prst="rect">
             <a:avLst/>
@@ -7620,7 +7660,7 @@
         <p:spPr bwMode="auto">
           <a:xfrm>
             <a:off x="0" y="0"/>
-            <a:ext cx="9144000" cy="6858000"/>
+            <a:ext cx="9144000" cy="5143500"/>
           </a:xfrm>
           <a:prstGeom prst="rect">
             <a:avLst/>
@@ -7700,8 +7740,8 @@
         </p:nvSpPr>
         <p:spPr>
           <a:xfrm>
-            <a:off x="0" y="1600200"/>
-            <a:ext cx="9144000" cy="4525963"/>
+            <a:off x="0" y="1200151"/>
+            <a:ext cx="9144000" cy="3394472"/>
           </a:xfrm>
         </p:spPr>
         <p:txBody>
@@ -7714,7 +7754,7 @@
               <a:buNone/>
             </a:pPr>
             <a:r>
-              <a:rPr lang="zh-TW" altLang="en-US" sz="5400" b="1" dirty="0">
+              <a:rPr lang="zh-TW" altLang="en-US" sz="4800" b="1" dirty="0">
                 <a:solidFill>
                   <a:srgbClr val="660033"/>
                 </a:solidFill>
@@ -7724,7 +7764,7 @@
               <a:t>讓我坦然無懼來到施恩座</a:t>
             </a:r>
             <a:r>
-              <a:rPr lang="zh-TW" altLang="en-US" sz="5400" b="1" dirty="0" smtClean="0">
+              <a:rPr lang="zh-TW" altLang="en-US" sz="4800" b="1" dirty="0" smtClean="0">
                 <a:solidFill>
                   <a:srgbClr val="660033"/>
                 </a:solidFill>
@@ -7733,7 +7773,7 @@
               </a:rPr>
               <a:t>前</a:t>
             </a:r>
-            <a:endParaRPr lang="en-US" altLang="zh-TW" sz="5400" b="1" dirty="0" smtClean="0">
+            <a:endParaRPr lang="en-US" altLang="zh-TW" sz="4800" b="1" dirty="0" smtClean="0">
               <a:solidFill>
                 <a:srgbClr val="660033"/>
               </a:solidFill>
@@ -7746,7 +7786,7 @@
               <a:buNone/>
             </a:pPr>
             <a:r>
-              <a:rPr lang="zh-TW" altLang="en-US" sz="5400" b="1" dirty="0" smtClean="0">
+              <a:rPr lang="zh-TW" altLang="en-US" sz="4800" b="1" dirty="0" smtClean="0">
                 <a:solidFill>
                   <a:srgbClr val="660033"/>
                 </a:solidFill>
@@ -7756,7 +7796,7 @@
               <a:t>用</a:t>
             </a:r>
             <a:r>
-              <a:rPr lang="zh-TW" altLang="en-US" sz="5400" b="1" dirty="0">
+              <a:rPr lang="zh-TW" altLang="en-US" sz="4800" b="1" dirty="0">
                 <a:solidFill>
                   <a:srgbClr val="660033"/>
                 </a:solidFill>
@@ -7766,7 +7806,7 @@
               <a:t>心靈誠實尋求</a:t>
             </a:r>
             <a:r>
-              <a:rPr lang="zh-TW" altLang="en-US" sz="5400" b="1" dirty="0" smtClean="0">
+              <a:rPr lang="zh-TW" altLang="en-US" sz="4800" b="1" dirty="0" smtClean="0">
                 <a:solidFill>
                   <a:srgbClr val="660033"/>
                 </a:solidFill>
@@ -7775,7 +7815,7 @@
               </a:rPr>
               <a:t>你</a:t>
             </a:r>
-            <a:endParaRPr lang="en-US" altLang="zh-TW" sz="5400" b="1" dirty="0">
+            <a:endParaRPr lang="en-US" altLang="zh-TW" sz="4800" b="1" dirty="0">
               <a:solidFill>
                 <a:srgbClr val="660033"/>
               </a:solidFill>
@@ -7788,7 +7828,7 @@
               <a:buNone/>
             </a:pPr>
             <a:r>
-              <a:rPr lang="zh-TW" altLang="en-US" sz="5400" b="1" dirty="0" smtClean="0">
+              <a:rPr lang="zh-TW" altLang="en-US" sz="4800" b="1" dirty="0" smtClean="0">
                 <a:solidFill>
                   <a:srgbClr val="660033"/>
                 </a:solidFill>
@@ -7798,7 +7838,7 @@
               <a:t>親愛的</a:t>
             </a:r>
             <a:r>
-              <a:rPr lang="zh-TW" altLang="en-US" sz="5400" b="1" dirty="0">
+              <a:rPr lang="zh-TW" altLang="en-US" sz="4800" b="1" dirty="0">
                 <a:solidFill>
                   <a:srgbClr val="660033"/>
                 </a:solidFill>
@@ -7808,7 +7848,7 @@
               <a:t>天父我何等地需要</a:t>
             </a:r>
             <a:r>
-              <a:rPr lang="zh-TW" altLang="en-US" sz="5400" b="1" dirty="0" smtClean="0">
+              <a:rPr lang="zh-TW" altLang="en-US" sz="4800" b="1" dirty="0" smtClean="0">
                 <a:solidFill>
                   <a:srgbClr val="660033"/>
                 </a:solidFill>
@@ -7817,7 +7857,7 @@
               </a:rPr>
               <a:t>你</a:t>
             </a:r>
-            <a:endParaRPr lang="en-US" altLang="zh-TW" sz="5400" b="1" dirty="0" smtClean="0">
+            <a:endParaRPr lang="en-US" altLang="zh-TW" sz="4800" b="1" dirty="0" smtClean="0">
               <a:solidFill>
                 <a:srgbClr val="660033"/>
               </a:solidFill>
@@ -7830,7 +7870,7 @@
               <a:buNone/>
             </a:pPr>
             <a:r>
-              <a:rPr lang="zh-TW" altLang="en-US" sz="5400" b="1" dirty="0" smtClean="0">
+              <a:rPr lang="zh-TW" altLang="en-US" sz="4800" b="1" dirty="0" smtClean="0">
                 <a:solidFill>
                   <a:srgbClr val="660033"/>
                 </a:solidFill>
@@ -7840,7 +7880,7 @@
               <a:t>需要</a:t>
             </a:r>
             <a:r>
-              <a:rPr lang="zh-TW" altLang="en-US" sz="5400" b="1" dirty="0">
+              <a:rPr lang="zh-TW" altLang="en-US" sz="4800" b="1" dirty="0">
                 <a:solidFill>
                   <a:srgbClr val="660033"/>
                 </a:solidFill>
@@ -7850,7 +7890,7 @@
               <a:t>更多你的同</a:t>
             </a:r>
             <a:r>
-              <a:rPr lang="zh-TW" altLang="en-US" sz="5400" b="1" dirty="0" smtClean="0">
+              <a:rPr lang="zh-TW" altLang="en-US" sz="4800" b="1" dirty="0" smtClean="0">
                 <a:solidFill>
                   <a:srgbClr val="660033"/>
                 </a:solidFill>
@@ -7860,7 +7900,7 @@
               <a:t>在  在</a:t>
             </a:r>
             <a:r>
-              <a:rPr lang="zh-TW" altLang="en-US" sz="5400" b="1" dirty="0">
+              <a:rPr lang="zh-TW" altLang="en-US" sz="4800" b="1" dirty="0">
                 <a:solidFill>
                   <a:srgbClr val="660033"/>
                 </a:solidFill>
@@ -7870,7 +7910,7 @@
               <a:t>我</a:t>
             </a:r>
             <a:r>
-              <a:rPr lang="zh-TW" altLang="en-US" sz="5400" b="1" dirty="0" smtClean="0">
+              <a:rPr lang="zh-TW" altLang="en-US" sz="4800" b="1" dirty="0" smtClean="0">
                 <a:solidFill>
                   <a:srgbClr val="660033"/>
                 </a:solidFill>
@@ -7879,7 +7919,7 @@
               </a:rPr>
               <a:t>生命</a:t>
             </a:r>
-            <a:endParaRPr lang="zh-TW" altLang="en-US" sz="5400" b="1" dirty="0">
+            <a:endParaRPr lang="zh-TW" altLang="en-US" sz="4800" b="1" dirty="0">
               <a:solidFill>
                 <a:srgbClr val="660033"/>
               </a:solidFill>
@@ -7961,8 +8001,8 @@
         </p:nvSpPr>
         <p:spPr>
           <a:xfrm>
-            <a:off x="0" y="1600200"/>
-            <a:ext cx="9144000" cy="4525963"/>
+            <a:off x="0" y="1200151"/>
+            <a:ext cx="9144000" cy="3394472"/>
           </a:xfrm>
         </p:spPr>
         <p:txBody>
@@ -7975,7 +8015,7 @@
               <a:buNone/>
             </a:pPr>
             <a:r>
-              <a:rPr lang="zh-TW" altLang="en-US" sz="5400" b="1" dirty="0">
+              <a:rPr lang="zh-TW" altLang="en-US" sz="4800" b="1" dirty="0">
                 <a:solidFill>
                   <a:srgbClr val="660033"/>
                 </a:solidFill>
@@ -7984,7 +8024,7 @@
               </a:rPr>
               <a:t>每一天   我需要你</a:t>
             </a:r>
-            <a:endParaRPr lang="en-US" altLang="zh-TW" sz="5400" b="1" dirty="0">
+            <a:endParaRPr lang="en-US" altLang="zh-TW" sz="4800" b="1" dirty="0">
               <a:solidFill>
                 <a:srgbClr val="660033"/>
               </a:solidFill>
@@ -7997,7 +8037,7 @@
               <a:buNone/>
             </a:pPr>
             <a:r>
-              <a:rPr lang="zh-TW" altLang="en-US" sz="5400" b="1" dirty="0">
+              <a:rPr lang="zh-TW" altLang="en-US" sz="4800" b="1" dirty="0">
                 <a:solidFill>
                   <a:srgbClr val="660033"/>
                 </a:solidFill>
@@ -8006,7 +8046,7 @@
               </a:rPr>
               <a:t>你話語如甘霖</a:t>
             </a:r>
-            <a:endParaRPr lang="en-US" altLang="zh-TW" sz="5400" b="1" dirty="0">
+            <a:endParaRPr lang="en-US" altLang="zh-TW" sz="4800" b="1" dirty="0">
               <a:solidFill>
                 <a:srgbClr val="660033"/>
               </a:solidFill>
@@ -8019,7 +8059,7 @@
               <a:buNone/>
             </a:pPr>
             <a:r>
-              <a:rPr lang="zh-TW" altLang="en-US" sz="5400" b="1" dirty="0">
+              <a:rPr lang="zh-TW" altLang="en-US" sz="4800" b="1" dirty="0">
                 <a:solidFill>
                   <a:srgbClr val="660033"/>
                 </a:solidFill>
@@ -8028,7 +8068,7 @@
               </a:rPr>
               <a:t>每時刻</a:t>
             </a:r>
-            <a:endParaRPr lang="en-US" altLang="zh-TW" sz="5400" b="1" dirty="0">
+            <a:endParaRPr lang="en-US" altLang="zh-TW" sz="4800" b="1" dirty="0">
               <a:solidFill>
                 <a:srgbClr val="660033"/>
               </a:solidFill>
@@ -8041,7 +8081,7 @@
               <a:buNone/>
             </a:pPr>
             <a:r>
-              <a:rPr lang="zh-TW" altLang="en-US" sz="5400" b="1" dirty="0">
+              <a:rPr lang="zh-TW" altLang="en-US" sz="4800" b="1" dirty="0">
                 <a:solidFill>
                   <a:srgbClr val="660033"/>
                 </a:solidFill>
@@ -8125,8 +8165,8 @@
         </p:nvSpPr>
         <p:spPr>
           <a:xfrm>
-            <a:off x="0" y="1600200"/>
-            <a:ext cx="9144000" cy="4525963"/>
+            <a:off x="0" y="1200151"/>
+            <a:ext cx="9144000" cy="3394472"/>
           </a:xfrm>
         </p:spPr>
         <p:txBody>
@@ -8139,7 +8179,7 @@
               <a:buNone/>
             </a:pPr>
             <a:r>
-              <a:rPr lang="zh-TW" altLang="en-US" sz="5400" b="1" dirty="0">
+              <a:rPr lang="zh-TW" altLang="en-US" sz="4400" b="1" dirty="0">
                 <a:solidFill>
                   <a:srgbClr val="660033"/>
                 </a:solidFill>
@@ -8148,7 +8188,7 @@
               </a:rPr>
               <a:t>這是我的禱告  願我生命單單</a:t>
             </a:r>
-            <a:endParaRPr lang="en-US" altLang="zh-TW" sz="5400" b="1" dirty="0">
+            <a:endParaRPr lang="en-US" altLang="zh-TW" sz="4400" b="1" dirty="0">
               <a:solidFill>
                 <a:srgbClr val="660033"/>
               </a:solidFill>
@@ -8161,7 +8201,7 @@
               <a:buNone/>
             </a:pPr>
             <a:r>
-              <a:rPr lang="zh-TW" altLang="en-US" sz="5400" b="1" dirty="0">
+              <a:rPr lang="zh-TW" altLang="en-US" sz="4400" b="1" dirty="0">
                 <a:solidFill>
                   <a:srgbClr val="660033"/>
                 </a:solidFill>
@@ -8170,7 +8210,7 @@
               </a:rPr>
               <a:t>歸榮耀給你耶穌</a:t>
             </a:r>
-            <a:endParaRPr lang="en-US" altLang="zh-TW" sz="5400" b="1" dirty="0">
+            <a:endParaRPr lang="en-US" altLang="zh-TW" sz="4400" b="1" dirty="0">
               <a:solidFill>
                 <a:srgbClr val="660033"/>
               </a:solidFill>
@@ -8183,7 +8223,7 @@
               <a:buNone/>
             </a:pPr>
             <a:r>
-              <a:rPr lang="zh-TW" altLang="en-US" sz="5400" b="1" dirty="0">
+              <a:rPr lang="zh-TW" altLang="en-US" sz="4400" b="1" dirty="0">
                 <a:solidFill>
                   <a:srgbClr val="660033"/>
                 </a:solidFill>
@@ -8192,7 +8232,7 @@
               </a:rPr>
               <a:t>這是我的呼求</a:t>
             </a:r>
-            <a:endParaRPr lang="en-US" altLang="zh-TW" sz="5400" b="1" dirty="0">
+            <a:endParaRPr lang="en-US" altLang="zh-TW" sz="4400" b="1" dirty="0">
               <a:solidFill>
                 <a:srgbClr val="660033"/>
               </a:solidFill>
@@ -8205,7 +8245,7 @@
               <a:buNone/>
             </a:pPr>
             <a:r>
-              <a:rPr lang="zh-TW" altLang="en-US" sz="5400" b="1" dirty="0">
+              <a:rPr lang="zh-TW" altLang="en-US" sz="4400" b="1" dirty="0">
                 <a:solidFill>
                   <a:srgbClr val="660033"/>
                 </a:solidFill>
@@ -8214,7 +8254,7 @@
               </a:rPr>
               <a:t>每天都更愛你</a:t>
             </a:r>
-            <a:endParaRPr lang="en-US" altLang="zh-TW" sz="5400" b="1" dirty="0">
+            <a:endParaRPr lang="en-US" altLang="zh-TW" sz="4400" b="1" dirty="0">
               <a:solidFill>
                 <a:srgbClr val="660033"/>
               </a:solidFill>
@@ -8227,7 +8267,7 @@
               <a:buNone/>
             </a:pPr>
             <a:r>
-              <a:rPr lang="zh-TW" altLang="en-US" sz="5400" b="1" dirty="0">
+              <a:rPr lang="zh-TW" altLang="en-US" sz="4400" b="1" dirty="0">
                 <a:solidFill>
                   <a:srgbClr val="660033"/>
                 </a:solidFill>
@@ -8311,8 +8351,8 @@
         </p:nvSpPr>
         <p:spPr>
           <a:xfrm>
-            <a:off x="0" y="1600200"/>
-            <a:ext cx="9144000" cy="4525963"/>
+            <a:off x="0" y="1200151"/>
+            <a:ext cx="9144000" cy="3394472"/>
           </a:xfrm>
         </p:spPr>
         <p:txBody>
@@ -8325,7 +8365,7 @@
               <a:buNone/>
             </a:pPr>
             <a:r>
-              <a:rPr lang="zh-TW" altLang="en-US" sz="5400" b="1" dirty="0">
+              <a:rPr lang="zh-TW" altLang="en-US" sz="4800" b="1" dirty="0">
                 <a:solidFill>
                   <a:srgbClr val="660033"/>
                 </a:solidFill>
@@ -8335,7 +8375,7 @@
               <a:t>讓我坦然無懼來到施恩座</a:t>
             </a:r>
             <a:r>
-              <a:rPr lang="zh-TW" altLang="en-US" sz="5400" b="1" dirty="0" smtClean="0">
+              <a:rPr lang="zh-TW" altLang="en-US" sz="4800" b="1" dirty="0" smtClean="0">
                 <a:solidFill>
                   <a:srgbClr val="660033"/>
                 </a:solidFill>
@@ -8344,7 +8384,7 @@
               </a:rPr>
               <a:t>前</a:t>
             </a:r>
-            <a:endParaRPr lang="en-US" altLang="zh-TW" sz="5400" b="1" dirty="0" smtClean="0">
+            <a:endParaRPr lang="en-US" altLang="zh-TW" sz="4800" b="1" dirty="0" smtClean="0">
               <a:solidFill>
                 <a:srgbClr val="660033"/>
               </a:solidFill>
@@ -8357,7 +8397,7 @@
               <a:buNone/>
             </a:pPr>
             <a:r>
-              <a:rPr lang="zh-TW" altLang="en-US" sz="5400" b="1" dirty="0" smtClean="0">
+              <a:rPr lang="zh-TW" altLang="en-US" sz="4800" b="1" dirty="0" smtClean="0">
                 <a:solidFill>
                   <a:srgbClr val="660033"/>
                 </a:solidFill>
@@ -8367,7 +8407,7 @@
               <a:t>用</a:t>
             </a:r>
             <a:r>
-              <a:rPr lang="zh-TW" altLang="en-US" sz="5400" b="1" dirty="0">
+              <a:rPr lang="zh-TW" altLang="en-US" sz="4800" b="1" dirty="0">
                 <a:solidFill>
                   <a:srgbClr val="660033"/>
                 </a:solidFill>
@@ -8377,7 +8417,7 @@
               <a:t>心靈誠實尋求</a:t>
             </a:r>
             <a:r>
-              <a:rPr lang="zh-TW" altLang="en-US" sz="5400" b="1" dirty="0" smtClean="0">
+              <a:rPr lang="zh-TW" altLang="en-US" sz="4800" b="1" dirty="0" smtClean="0">
                 <a:solidFill>
                   <a:srgbClr val="660033"/>
                 </a:solidFill>
@@ -8386,7 +8426,7 @@
               </a:rPr>
               <a:t>你</a:t>
             </a:r>
-            <a:endParaRPr lang="en-US" altLang="zh-TW" sz="5400" b="1" dirty="0">
+            <a:endParaRPr lang="en-US" altLang="zh-TW" sz="4800" b="1" dirty="0">
               <a:solidFill>
                 <a:srgbClr val="660033"/>
               </a:solidFill>
@@ -8399,7 +8439,7 @@
               <a:buNone/>
             </a:pPr>
             <a:r>
-              <a:rPr lang="zh-TW" altLang="en-US" sz="5400" b="1" dirty="0" smtClean="0">
+              <a:rPr lang="zh-TW" altLang="en-US" sz="4800" b="1" dirty="0" smtClean="0">
                 <a:solidFill>
                   <a:srgbClr val="660033"/>
                 </a:solidFill>
@@ -8409,7 +8449,7 @@
               <a:t>親愛的</a:t>
             </a:r>
             <a:r>
-              <a:rPr lang="zh-TW" altLang="en-US" sz="5400" b="1" dirty="0">
+              <a:rPr lang="zh-TW" altLang="en-US" sz="4800" b="1" dirty="0">
                 <a:solidFill>
                   <a:srgbClr val="660033"/>
                 </a:solidFill>
@@ -8419,7 +8459,7 @@
               <a:t>天父我何等地需要</a:t>
             </a:r>
             <a:r>
-              <a:rPr lang="zh-TW" altLang="en-US" sz="5400" b="1" dirty="0" smtClean="0">
+              <a:rPr lang="zh-TW" altLang="en-US" sz="4800" b="1" dirty="0" smtClean="0">
                 <a:solidFill>
                   <a:srgbClr val="660033"/>
                 </a:solidFill>
@@ -8428,7 +8468,7 @@
               </a:rPr>
               <a:t>你</a:t>
             </a:r>
-            <a:endParaRPr lang="en-US" altLang="zh-TW" sz="5400" b="1" dirty="0" smtClean="0">
+            <a:endParaRPr lang="en-US" altLang="zh-TW" sz="4800" b="1" dirty="0" smtClean="0">
               <a:solidFill>
                 <a:srgbClr val="660033"/>
               </a:solidFill>
@@ -8441,7 +8481,7 @@
               <a:buNone/>
             </a:pPr>
             <a:r>
-              <a:rPr lang="zh-TW" altLang="en-US" sz="5400" b="1" dirty="0" smtClean="0">
+              <a:rPr lang="zh-TW" altLang="en-US" sz="4800" b="1" dirty="0" smtClean="0">
                 <a:solidFill>
                   <a:srgbClr val="660033"/>
                 </a:solidFill>
@@ -8451,7 +8491,7 @@
               <a:t>需要</a:t>
             </a:r>
             <a:r>
-              <a:rPr lang="zh-TW" altLang="en-US" sz="5400" b="1" dirty="0">
+              <a:rPr lang="zh-TW" altLang="en-US" sz="4800" b="1" dirty="0">
                 <a:solidFill>
                   <a:srgbClr val="660033"/>
                 </a:solidFill>
@@ -8461,7 +8501,7 @@
               <a:t>更多你的同</a:t>
             </a:r>
             <a:r>
-              <a:rPr lang="zh-TW" altLang="en-US" sz="5400" b="1" dirty="0" smtClean="0">
+              <a:rPr lang="zh-TW" altLang="en-US" sz="4800" b="1" dirty="0" smtClean="0">
                 <a:solidFill>
                   <a:srgbClr val="660033"/>
                 </a:solidFill>
@@ -8471,7 +8511,7 @@
               <a:t>在  在</a:t>
             </a:r>
             <a:r>
-              <a:rPr lang="zh-TW" altLang="en-US" sz="5400" b="1" dirty="0">
+              <a:rPr lang="zh-TW" altLang="en-US" sz="4800" b="1" dirty="0">
                 <a:solidFill>
                   <a:srgbClr val="660033"/>
                 </a:solidFill>
@@ -8481,7 +8521,7 @@
               <a:t>我</a:t>
             </a:r>
             <a:r>
-              <a:rPr lang="zh-TW" altLang="en-US" sz="5400" b="1" dirty="0" smtClean="0">
+              <a:rPr lang="zh-TW" altLang="en-US" sz="4800" b="1" dirty="0" smtClean="0">
                 <a:solidFill>
                   <a:srgbClr val="660033"/>
                 </a:solidFill>
@@ -8490,7 +8530,7 @@
               </a:rPr>
               <a:t>生命</a:t>
             </a:r>
-            <a:endParaRPr lang="zh-TW" altLang="en-US" sz="5400" b="1" dirty="0">
+            <a:endParaRPr lang="zh-TW" altLang="en-US" sz="4800" b="1" dirty="0">
               <a:solidFill>
                 <a:srgbClr val="660033"/>
               </a:solidFill>
@@ -8572,8 +8612,8 @@
         </p:nvSpPr>
         <p:spPr>
           <a:xfrm>
-            <a:off x="0" y="1600200"/>
-            <a:ext cx="9144000" cy="4525963"/>
+            <a:off x="0" y="1200151"/>
+            <a:ext cx="9144000" cy="3394472"/>
           </a:xfrm>
         </p:spPr>
         <p:txBody>
@@ -8586,7 +8626,7 @@
               <a:buNone/>
             </a:pPr>
             <a:r>
-              <a:rPr lang="zh-TW" altLang="en-US" sz="5400" b="1" dirty="0">
+              <a:rPr lang="zh-TW" altLang="en-US" sz="4800" b="1" dirty="0">
                 <a:solidFill>
                   <a:srgbClr val="660033"/>
                 </a:solidFill>
@@ -8595,7 +8635,7 @@
               </a:rPr>
               <a:t>每一天   我需要你</a:t>
             </a:r>
-            <a:endParaRPr lang="en-US" altLang="zh-TW" sz="5400" b="1" dirty="0">
+            <a:endParaRPr lang="en-US" altLang="zh-TW" sz="4800" b="1" dirty="0">
               <a:solidFill>
                 <a:srgbClr val="660033"/>
               </a:solidFill>
@@ -8608,7 +8648,7 @@
               <a:buNone/>
             </a:pPr>
             <a:r>
-              <a:rPr lang="zh-TW" altLang="en-US" sz="5400" b="1" dirty="0">
+              <a:rPr lang="zh-TW" altLang="en-US" sz="4800" b="1" dirty="0">
                 <a:solidFill>
                   <a:srgbClr val="660033"/>
                 </a:solidFill>
@@ -8617,7 +8657,7 @@
               </a:rPr>
               <a:t>你話語如甘霖</a:t>
             </a:r>
-            <a:endParaRPr lang="en-US" altLang="zh-TW" sz="5400" b="1" dirty="0">
+            <a:endParaRPr lang="en-US" altLang="zh-TW" sz="4800" b="1" dirty="0">
               <a:solidFill>
                 <a:srgbClr val="660033"/>
               </a:solidFill>
@@ -8630,7 +8670,7 @@
               <a:buNone/>
             </a:pPr>
             <a:r>
-              <a:rPr lang="zh-TW" altLang="en-US" sz="5400" b="1" dirty="0">
+              <a:rPr lang="zh-TW" altLang="en-US" sz="4800" b="1" dirty="0">
                 <a:solidFill>
                   <a:srgbClr val="660033"/>
                 </a:solidFill>
@@ -8639,7 +8679,7 @@
               </a:rPr>
               <a:t>每時刻</a:t>
             </a:r>
-            <a:endParaRPr lang="en-US" altLang="zh-TW" sz="5400" b="1" dirty="0">
+            <a:endParaRPr lang="en-US" altLang="zh-TW" sz="4800" b="1" dirty="0">
               <a:solidFill>
                 <a:srgbClr val="660033"/>
               </a:solidFill>
@@ -8652,7 +8692,7 @@
               <a:buNone/>
             </a:pPr>
             <a:r>
-              <a:rPr lang="zh-TW" altLang="en-US" sz="5400" b="1" dirty="0">
+              <a:rPr lang="zh-TW" altLang="en-US" sz="4800" b="1" dirty="0">
                 <a:solidFill>
                   <a:srgbClr val="660033"/>
                 </a:solidFill>
@@ -8736,8 +8776,8 @@
         </p:nvSpPr>
         <p:spPr>
           <a:xfrm>
-            <a:off x="0" y="1600200"/>
-            <a:ext cx="9144000" cy="4525963"/>
+            <a:off x="0" y="1200151"/>
+            <a:ext cx="9144000" cy="3394472"/>
           </a:xfrm>
         </p:spPr>
         <p:txBody>
@@ -8750,7 +8790,7 @@
               <a:buNone/>
             </a:pPr>
             <a:r>
-              <a:rPr lang="zh-TW" altLang="en-US" sz="5400" b="1" dirty="0">
+              <a:rPr lang="zh-TW" altLang="en-US" sz="4400" b="1" dirty="0">
                 <a:solidFill>
                   <a:srgbClr val="660033"/>
                 </a:solidFill>
@@ -8759,7 +8799,7 @@
               </a:rPr>
               <a:t>這是我的禱告  願我生命單單</a:t>
             </a:r>
-            <a:endParaRPr lang="en-US" altLang="zh-TW" sz="5400" b="1" dirty="0">
+            <a:endParaRPr lang="en-US" altLang="zh-TW" sz="4400" b="1" dirty="0">
               <a:solidFill>
                 <a:srgbClr val="660033"/>
               </a:solidFill>
@@ -8772,7 +8812,7 @@
               <a:buNone/>
             </a:pPr>
             <a:r>
-              <a:rPr lang="zh-TW" altLang="en-US" sz="5400" b="1" dirty="0">
+              <a:rPr lang="zh-TW" altLang="en-US" sz="4400" b="1" dirty="0">
                 <a:solidFill>
                   <a:srgbClr val="660033"/>
                 </a:solidFill>
@@ -8781,7 +8821,7 @@
               </a:rPr>
               <a:t>歸榮耀給你耶穌</a:t>
             </a:r>
-            <a:endParaRPr lang="en-US" altLang="zh-TW" sz="5400" b="1" dirty="0">
+            <a:endParaRPr lang="en-US" altLang="zh-TW" sz="4400" b="1" dirty="0">
               <a:solidFill>
                 <a:srgbClr val="660033"/>
               </a:solidFill>
@@ -8794,7 +8834,7 @@
               <a:buNone/>
             </a:pPr>
             <a:r>
-              <a:rPr lang="zh-TW" altLang="en-US" sz="5400" b="1" dirty="0">
+              <a:rPr lang="zh-TW" altLang="en-US" sz="4400" b="1" dirty="0">
                 <a:solidFill>
                   <a:srgbClr val="660033"/>
                 </a:solidFill>
@@ -8803,7 +8843,7 @@
               </a:rPr>
               <a:t>這是我的呼求</a:t>
             </a:r>
-            <a:endParaRPr lang="en-US" altLang="zh-TW" sz="5400" b="1" dirty="0">
+            <a:endParaRPr lang="en-US" altLang="zh-TW" sz="4400" b="1" dirty="0">
               <a:solidFill>
                 <a:srgbClr val="660033"/>
               </a:solidFill>
@@ -8816,7 +8856,7 @@
               <a:buNone/>
             </a:pPr>
             <a:r>
-              <a:rPr lang="zh-TW" altLang="en-US" sz="5400" b="1" dirty="0">
+              <a:rPr lang="zh-TW" altLang="en-US" sz="4400" b="1" dirty="0">
                 <a:solidFill>
                   <a:srgbClr val="660033"/>
                 </a:solidFill>
@@ -8825,7 +8865,7 @@
               </a:rPr>
               <a:t>每天都更愛你</a:t>
             </a:r>
-            <a:endParaRPr lang="en-US" altLang="zh-TW" sz="5400" b="1" dirty="0">
+            <a:endParaRPr lang="en-US" altLang="zh-TW" sz="4400" b="1" dirty="0">
               <a:solidFill>
                 <a:srgbClr val="660033"/>
               </a:solidFill>
@@ -8838,7 +8878,7 @@
               <a:buNone/>
             </a:pPr>
             <a:r>
-              <a:rPr lang="zh-TW" altLang="en-US" sz="5400" b="1" dirty="0">
+              <a:rPr lang="zh-TW" altLang="en-US" sz="4400" b="1" dirty="0">
                 <a:solidFill>
                   <a:srgbClr val="660033"/>
                 </a:solidFill>
@@ -8922,8 +8962,8 @@
         </p:nvSpPr>
         <p:spPr>
           <a:xfrm>
-            <a:off x="0" y="1600200"/>
-            <a:ext cx="9144000" cy="4525963"/>
+            <a:off x="0" y="1200151"/>
+            <a:ext cx="9144000" cy="3394472"/>
           </a:xfrm>
         </p:spPr>
         <p:txBody>
@@ -8936,7 +8976,7 @@
               <a:buNone/>
             </a:pPr>
             <a:r>
-              <a:rPr lang="zh-TW" altLang="en-US" sz="5400" b="1" dirty="0">
+              <a:rPr lang="zh-TW" altLang="en-US" sz="4400" b="1" dirty="0">
                 <a:solidFill>
                   <a:srgbClr val="660033"/>
                 </a:solidFill>
@@ -8945,7 +8985,7 @@
               </a:rPr>
               <a:t>這是我的禱告  願我生命單單</a:t>
             </a:r>
-            <a:endParaRPr lang="en-US" altLang="zh-TW" sz="5400" b="1" dirty="0">
+            <a:endParaRPr lang="en-US" altLang="zh-TW" sz="4400" b="1" dirty="0">
               <a:solidFill>
                 <a:srgbClr val="660033"/>
               </a:solidFill>
@@ -8958,7 +8998,7 @@
               <a:buNone/>
             </a:pPr>
             <a:r>
-              <a:rPr lang="zh-TW" altLang="en-US" sz="5400" b="1" dirty="0">
+              <a:rPr lang="zh-TW" altLang="en-US" sz="4400" b="1" dirty="0">
                 <a:solidFill>
                   <a:srgbClr val="660033"/>
                 </a:solidFill>
@@ -8967,7 +9007,7 @@
               </a:rPr>
               <a:t>歸榮耀給你耶穌</a:t>
             </a:r>
-            <a:endParaRPr lang="en-US" altLang="zh-TW" sz="5400" b="1" dirty="0">
+            <a:endParaRPr lang="en-US" altLang="zh-TW" sz="4400" b="1" dirty="0">
               <a:solidFill>
                 <a:srgbClr val="660033"/>
               </a:solidFill>
@@ -8980,7 +9020,7 @@
               <a:buNone/>
             </a:pPr>
             <a:r>
-              <a:rPr lang="zh-TW" altLang="en-US" sz="5400" b="1" dirty="0">
+              <a:rPr lang="zh-TW" altLang="en-US" sz="4400" b="1" dirty="0">
                 <a:solidFill>
                   <a:srgbClr val="660033"/>
                 </a:solidFill>
@@ -8989,7 +9029,7 @@
               </a:rPr>
               <a:t>這是我的呼求</a:t>
             </a:r>
-            <a:endParaRPr lang="en-US" altLang="zh-TW" sz="5400" b="1" dirty="0">
+            <a:endParaRPr lang="en-US" altLang="zh-TW" sz="4400" b="1" dirty="0">
               <a:solidFill>
                 <a:srgbClr val="660033"/>
               </a:solidFill>
@@ -9002,7 +9042,7 @@
               <a:buNone/>
             </a:pPr>
             <a:r>
-              <a:rPr lang="zh-TW" altLang="en-US" sz="5400" b="1" dirty="0">
+              <a:rPr lang="zh-TW" altLang="en-US" sz="4400" b="1" dirty="0">
                 <a:solidFill>
                   <a:srgbClr val="660033"/>
                 </a:solidFill>
@@ -9011,7 +9051,7 @@
               </a:rPr>
               <a:t>每天都更愛你</a:t>
             </a:r>
-            <a:endParaRPr lang="en-US" altLang="zh-TW" sz="5400" b="1" dirty="0">
+            <a:endParaRPr lang="en-US" altLang="zh-TW" sz="4400" b="1" dirty="0">
               <a:solidFill>
                 <a:srgbClr val="660033"/>
               </a:solidFill>
@@ -9024,7 +9064,7 @@
               <a:buNone/>
             </a:pPr>
             <a:r>
-              <a:rPr lang="zh-TW" altLang="en-US" sz="5400" b="1" dirty="0">
+              <a:rPr lang="zh-TW" altLang="en-US" sz="4400" b="1" dirty="0">
                 <a:solidFill>
                   <a:srgbClr val="660033"/>
                 </a:solidFill>
@@ -9158,7 +9198,7 @@
         <p:spPr bwMode="auto">
           <a:xfrm>
             <a:off x="0" y="0"/>
-            <a:ext cx="9144000" cy="6858000"/>
+            <a:ext cx="9144000" cy="5143500"/>
           </a:xfrm>
           <a:prstGeom prst="rect">
             <a:avLst/>
@@ -9288,7 +9328,7 @@
         <p:spPr bwMode="auto">
           <a:xfrm>
             <a:off x="0" y="0"/>
-            <a:ext cx="9144000" cy="6858000"/>
+            <a:ext cx="9144000" cy="5143500"/>
           </a:xfrm>
           <a:prstGeom prst="rect">
             <a:avLst/>
@@ -9418,7 +9458,7 @@
         <p:spPr bwMode="auto">
           <a:xfrm>
             <a:off x="0" y="0"/>
-            <a:ext cx="9144000" cy="6858000"/>
+            <a:ext cx="9144000" cy="5143500"/>
           </a:xfrm>
           <a:prstGeom prst="rect">
             <a:avLst/>
@@ -9548,7 +9588,7 @@
         <p:spPr bwMode="auto">
           <a:xfrm>
             <a:off x="0" y="0"/>
-            <a:ext cx="9144000" cy="6858000"/>
+            <a:ext cx="9144000" cy="5143500"/>
           </a:xfrm>
           <a:prstGeom prst="rect">
             <a:avLst/>
@@ -9678,7 +9718,7 @@
         <p:spPr bwMode="auto">
           <a:xfrm>
             <a:off x="0" y="0"/>
-            <a:ext cx="9144000" cy="6858000"/>
+            <a:ext cx="9144000" cy="5143500"/>
           </a:xfrm>
           <a:prstGeom prst="rect">
             <a:avLst/>
@@ -9808,7 +9848,7 @@
         <p:spPr bwMode="auto">
           <a:xfrm>
             <a:off x="0" y="0"/>
-            <a:ext cx="9144000" cy="6858000"/>
+            <a:ext cx="9144000" cy="5143500"/>
           </a:xfrm>
           <a:prstGeom prst="rect">
             <a:avLst/>
@@ -9938,7 +9978,7 @@
         <p:spPr bwMode="auto">
           <a:xfrm>
             <a:off x="0" y="0"/>
-            <a:ext cx="9144000" cy="6858000"/>
+            <a:ext cx="9144000" cy="5143500"/>
           </a:xfrm>
           <a:prstGeom prst="rect">
             <a:avLst/>
@@ -10068,7 +10108,7 @@
         <p:spPr bwMode="auto">
           <a:xfrm>
             <a:off x="0" y="0"/>
-            <a:ext cx="9144000" cy="6858000"/>
+            <a:ext cx="9144000" cy="5143500"/>
           </a:xfrm>
           <a:prstGeom prst="rect">
             <a:avLst/>
